--- a/review_0/PIP2001-REVIEW-0.pptx
+++ b/review_0/PIP2001-REVIEW-0.pptx
@@ -13165,6 +13165,27 @@
               </a:rPr>
               <a:t>Name of the Program: </a:t>
             </a:r>
+            <a:r>
+              <a:rPr lang="en-US" sz="2000" b="1" dirty="0">
+                <a:solidFill>
+                  <a:schemeClr val="tx1"/>
+                </a:solidFill>
+                <a:latin typeface="Cambria" panose="02040503050406030204" pitchFamily="18" charset="0"/>
+                <a:ea typeface="Cambria" panose="02040503050406030204" pitchFamily="18" charset="0"/>
+                <a:cs typeface="Verdana"/>
+                <a:sym typeface="Verdana"/>
+              </a:rPr>
+              <a:t>CSE (Data Science)</a:t>
+            </a:r>
+            <a:endParaRPr lang="en-US" sz="2000" b="1" i="0" u="none" strike="noStrike" cap="none" dirty="0">
+              <a:solidFill>
+                <a:schemeClr val="tx1"/>
+              </a:solidFill>
+              <a:latin typeface="Cambria" panose="02040503050406030204" pitchFamily="18" charset="0"/>
+              <a:ea typeface="Cambria" panose="02040503050406030204" pitchFamily="18" charset="0"/>
+              <a:cs typeface="Verdana"/>
+              <a:sym typeface="Verdana"/>
+            </a:endParaRPr>
           </a:p>
           <a:p>
             <a:pPr marL="0" marR="0" lvl="0" indent="0" rtl="0">
@@ -13193,6 +13214,39 @@
               </a:rPr>
               <a:t>Name of the HoD: </a:t>
             </a:r>
+            <a:r>
+              <a:rPr lang="en-US" sz="2000" b="1" dirty="0">
+                <a:solidFill>
+                  <a:schemeClr val="tx1"/>
+                </a:solidFill>
+                <a:latin typeface="Cambria" panose="02040503050406030204" pitchFamily="18" charset="0"/>
+                <a:ea typeface="Cambria" panose="02040503050406030204" pitchFamily="18" charset="0"/>
+                <a:cs typeface="Verdana"/>
+                <a:sym typeface="Verdana"/>
+              </a:rPr>
+              <a:t>Dr. Saira Banu </a:t>
+            </a:r>
+            <a:r>
+              <a:rPr lang="en-US" sz="2000" b="1" dirty="0" err="1">
+                <a:solidFill>
+                  <a:schemeClr val="tx1"/>
+                </a:solidFill>
+                <a:latin typeface="Cambria" panose="02040503050406030204" pitchFamily="18" charset="0"/>
+                <a:ea typeface="Cambria" panose="02040503050406030204" pitchFamily="18" charset="0"/>
+                <a:cs typeface="Verdana"/>
+                <a:sym typeface="Verdana"/>
+              </a:rPr>
+              <a:t>Atham</a:t>
+            </a:r>
+            <a:endParaRPr lang="en-US" sz="2000" b="1" dirty="0">
+              <a:solidFill>
+                <a:schemeClr val="tx1"/>
+              </a:solidFill>
+              <a:latin typeface="Cambria" panose="02040503050406030204" pitchFamily="18" charset="0"/>
+              <a:ea typeface="Cambria" panose="02040503050406030204" pitchFamily="18" charset="0"/>
+              <a:cs typeface="Verdana"/>
+              <a:sym typeface="Verdana"/>
+            </a:endParaRPr>
           </a:p>
           <a:p>
             <a:pPr marL="0" marR="0" lvl="0" indent="0" rtl="0">
@@ -13220,6 +13274,18 @@
                 <a:sym typeface="Verdana"/>
               </a:rPr>
               <a:t>Name of the Program Project Coordinator: </a:t>
+            </a:r>
+            <a:r>
+              <a:rPr lang="en-US" sz="2000" b="1" i="0" u="none" strike="noStrike" cap="none" dirty="0">
+                <a:solidFill>
+                  <a:schemeClr val="tx1"/>
+                </a:solidFill>
+                <a:latin typeface="Cambria" panose="02040503050406030204" pitchFamily="18" charset="0"/>
+                <a:ea typeface="Cambria" panose="02040503050406030204" pitchFamily="18" charset="0"/>
+                <a:cs typeface="Verdana"/>
+                <a:sym typeface="Verdana"/>
+              </a:rPr>
+              <a:t>Dr. Manjula H M</a:t>
             </a:r>
           </a:p>
           <a:p>
@@ -17444,7 +17510,7 @@
         <p:spPr>
           <a:xfrm>
             <a:off x="812800" y="1143000"/>
-            <a:ext cx="10668000" cy="4178300"/>
+            <a:ext cx="11024704" cy="4178300"/>
           </a:xfrm>
           <a:prstGeom prst="rect">
             <a:avLst/>
@@ -17746,6 +17812,18 @@
               <a:buNone/>
             </a:pPr>
             <a:r>
+              <a:rPr lang="en-US" b="1" dirty="0" err="1">
+                <a:solidFill>
+                  <a:schemeClr val="accent2">
+                    <a:lumMod val="75000"/>
+                  </a:schemeClr>
+                </a:solidFill>
+                <a:latin typeface="Cambria" panose="02040503050406030204" pitchFamily="18" charset="0"/>
+                <a:ea typeface="Cambria" panose="02040503050406030204" pitchFamily="18" charset="0"/>
+              </a:rPr>
+              <a:t>Github</a:t>
+            </a:r>
+            <a:r>
               <a:rPr lang="en-US" b="1" dirty="0">
                 <a:solidFill>
                   <a:schemeClr val="accent2">
@@ -17755,8 +17833,49 @@
                 <a:latin typeface="Cambria" panose="02040503050406030204" pitchFamily="18" charset="0"/>
                 <a:ea typeface="Cambria" panose="02040503050406030204" pitchFamily="18" charset="0"/>
               </a:rPr>
-              <a:t>Github Link</a:t>
+              <a:t> Link</a:t>
             </a:r>
+          </a:p>
+          <a:p>
+            <a:pPr marL="342900" indent="-190500" algn="just">
+              <a:spcBef>
+                <a:spcPts val="0"/>
+              </a:spcBef>
+              <a:buSzPct val="100000"/>
+              <a:buFont typeface="Arial"/>
+              <a:buNone/>
+            </a:pPr>
+            <a:endParaRPr lang="en-US" b="1" dirty="0">
+              <a:solidFill>
+                <a:schemeClr val="accent2">
+                  <a:lumMod val="75000"/>
+                </a:schemeClr>
+              </a:solidFill>
+              <a:latin typeface="Cambria" panose="02040503050406030204" pitchFamily="18" charset="0"/>
+              <a:ea typeface="Cambria" panose="02040503050406030204" pitchFamily="18" charset="0"/>
+            </a:endParaRPr>
+          </a:p>
+          <a:p>
+            <a:pPr marL="342900" indent="-190500" algn="just">
+              <a:spcBef>
+                <a:spcPts val="0"/>
+              </a:spcBef>
+              <a:buSzPct val="100000"/>
+              <a:buFont typeface="Arial"/>
+              <a:buNone/>
+            </a:pPr>
+            <a:r>
+              <a:rPr lang="en-US" dirty="0">
+                <a:latin typeface="Cambria" panose="02040503050406030204" pitchFamily="18" charset="0"/>
+                <a:ea typeface="Cambria" panose="02040503050406030204" pitchFamily="18" charset="0"/>
+                <a:hlinkClick r:id="rId3"/>
+              </a:rPr>
+              <a:t>https://github.com/yashraj2003e/CSD-G10_billy_buddy_against_cyber_bullying</a:t>
+            </a:r>
+            <a:endParaRPr lang="en-US" dirty="0">
+              <a:latin typeface="Cambria" panose="02040503050406030204" pitchFamily="18" charset="0"/>
+              <a:ea typeface="Cambria" panose="02040503050406030204" pitchFamily="18" charset="0"/>
+            </a:endParaRPr>
           </a:p>
           <a:p>
             <a:pPr marL="342900" indent="-190500" algn="just">
